--- a/doc/schemes.pptx
+++ b/doc/schemes.pptx
@@ -104,6 +104,11 @@
       </a:defRPr>
     </a:lvl9pPr>
   </p:defaultTextStyle>
+  <p:extLst>
+    <p:ext uri="{EFAFB233-063F-42B5-8137-9DF3F51BA10A}">
+      <p15:sldGuideLst xmlns:p15="http://schemas.microsoft.com/office/powerpoint/2012/main"/>
+    </p:ext>
+  </p:extLst>
 </p:presentation>
 </file>
 
@@ -238,7 +243,7 @@
           <a:p>
             <a:fld id="{5D347177-0F06-40E7-B6BC-1339E1E49A3A}" type="datetimeFigureOut">
               <a:rPr lang="en-US" smtClean="0"/>
-              <a:t>2/21/2017</a:t>
+              <a:t>3/6/17</a:t>
             </a:fld>
             <a:endParaRPr lang="en-US"/>
           </a:p>
@@ -408,7 +413,7 @@
           <a:p>
             <a:fld id="{5D347177-0F06-40E7-B6BC-1339E1E49A3A}" type="datetimeFigureOut">
               <a:rPr lang="en-US" smtClean="0"/>
-              <a:t>2/21/2017</a:t>
+              <a:t>3/6/17</a:t>
             </a:fld>
             <a:endParaRPr lang="en-US"/>
           </a:p>
@@ -588,7 +593,7 @@
           <a:p>
             <a:fld id="{5D347177-0F06-40E7-B6BC-1339E1E49A3A}" type="datetimeFigureOut">
               <a:rPr lang="en-US" smtClean="0"/>
-              <a:t>2/21/2017</a:t>
+              <a:t>3/6/17</a:t>
             </a:fld>
             <a:endParaRPr lang="en-US"/>
           </a:p>
@@ -758,7 +763,7 @@
           <a:p>
             <a:fld id="{5D347177-0F06-40E7-B6BC-1339E1E49A3A}" type="datetimeFigureOut">
               <a:rPr lang="en-US" smtClean="0"/>
-              <a:t>2/21/2017</a:t>
+              <a:t>3/6/17</a:t>
             </a:fld>
             <a:endParaRPr lang="en-US"/>
           </a:p>
@@ -1004,7 +1009,7 @@
           <a:p>
             <a:fld id="{5D347177-0F06-40E7-B6BC-1339E1E49A3A}" type="datetimeFigureOut">
               <a:rPr lang="en-US" smtClean="0"/>
-              <a:t>2/21/2017</a:t>
+              <a:t>3/6/17</a:t>
             </a:fld>
             <a:endParaRPr lang="en-US"/>
           </a:p>
@@ -1236,7 +1241,7 @@
           <a:p>
             <a:fld id="{5D347177-0F06-40E7-B6BC-1339E1E49A3A}" type="datetimeFigureOut">
               <a:rPr lang="en-US" smtClean="0"/>
-              <a:t>2/21/2017</a:t>
+              <a:t>3/6/17</a:t>
             </a:fld>
             <a:endParaRPr lang="en-US"/>
           </a:p>
@@ -1603,7 +1608,7 @@
           <a:p>
             <a:fld id="{5D347177-0F06-40E7-B6BC-1339E1E49A3A}" type="datetimeFigureOut">
               <a:rPr lang="en-US" smtClean="0"/>
-              <a:t>2/21/2017</a:t>
+              <a:t>3/6/17</a:t>
             </a:fld>
             <a:endParaRPr lang="en-US"/>
           </a:p>
@@ -1721,7 +1726,7 @@
           <a:p>
             <a:fld id="{5D347177-0F06-40E7-B6BC-1339E1E49A3A}" type="datetimeFigureOut">
               <a:rPr lang="en-US" smtClean="0"/>
-              <a:t>2/21/2017</a:t>
+              <a:t>3/6/17</a:t>
             </a:fld>
             <a:endParaRPr lang="en-US"/>
           </a:p>
@@ -1816,7 +1821,7 @@
           <a:p>
             <a:fld id="{5D347177-0F06-40E7-B6BC-1339E1E49A3A}" type="datetimeFigureOut">
               <a:rPr lang="en-US" smtClean="0"/>
-              <a:t>2/21/2017</a:t>
+              <a:t>3/6/17</a:t>
             </a:fld>
             <a:endParaRPr lang="en-US"/>
           </a:p>
@@ -2093,7 +2098,7 @@
           <a:p>
             <a:fld id="{5D347177-0F06-40E7-B6BC-1339E1E49A3A}" type="datetimeFigureOut">
               <a:rPr lang="en-US" smtClean="0"/>
-              <a:t>2/21/2017</a:t>
+              <a:t>3/6/17</a:t>
             </a:fld>
             <a:endParaRPr lang="en-US"/>
           </a:p>
@@ -2346,7 +2351,7 @@
           <a:p>
             <a:fld id="{5D347177-0F06-40E7-B6BC-1339E1E49A3A}" type="datetimeFigureOut">
               <a:rPr lang="en-US" smtClean="0"/>
-              <a:t>2/21/2017</a:t>
+              <a:t>3/6/17</a:t>
             </a:fld>
             <a:endParaRPr lang="en-US"/>
           </a:p>
@@ -2559,7 +2564,7 @@
           <a:p>
             <a:fld id="{5D347177-0F06-40E7-B6BC-1339E1E49A3A}" type="datetimeFigureOut">
               <a:rPr lang="en-US" smtClean="0"/>
-              <a:t>2/21/2017</a:t>
+              <a:t>3/6/17</a:t>
             </a:fld>
             <a:endParaRPr lang="en-US"/>
           </a:p>
@@ -2979,7 +2984,11 @@
           <a:bodyPr/>
           <a:lstStyle/>
           <a:p>
-            <a:endParaRPr lang="en-US"/>
+            <a:r>
+              <a:rPr lang="en-US" dirty="0" smtClean="0"/>
+              <a:t>Mosquito</a:t>
+            </a:r>
+            <a:endParaRPr lang="en-US" dirty="0"/>
           </a:p>
         </p:txBody>
       </p:sp>
@@ -2998,7 +3007,19 @@
           <a:bodyPr/>
           <a:lstStyle/>
           <a:p>
-            <a:endParaRPr lang="en-US"/>
+            <a:r>
+              <a:rPr lang="en-US" dirty="0" err="1" smtClean="0"/>
+              <a:t>exTorr</a:t>
+            </a:r>
+            <a:r>
+              <a:rPr lang="en-US" smtClean="0"/>
+              <a:t> RGA </a:t>
+            </a:r>
+            <a:r>
+              <a:rPr lang="en-US" dirty="0" smtClean="0"/>
+              <a:t>interface</a:t>
+            </a:r>
+            <a:endParaRPr lang="en-US" dirty="0"/>
           </a:p>
         </p:txBody>
       </p:sp>

--- a/doc/schemes.pptx
+++ b/doc/schemes.pptx
@@ -6,6 +6,13 @@
   </p:sldMasterIdLst>
   <p:sldIdLst>
     <p:sldId id="256" r:id="rId2"/>
+    <p:sldId id="258" r:id="rId3"/>
+    <p:sldId id="257" r:id="rId4"/>
+    <p:sldId id="262" r:id="rId5"/>
+    <p:sldId id="259" r:id="rId6"/>
+    <p:sldId id="260" r:id="rId7"/>
+    <p:sldId id="261" r:id="rId8"/>
+    <p:sldId id="263" r:id="rId9"/>
   </p:sldIdLst>
   <p:sldSz cx="12192000" cy="6858000"/>
   <p:notesSz cx="6858000" cy="9144000"/>
@@ -243,7 +250,7 @@
           <a:p>
             <a:fld id="{5D347177-0F06-40E7-B6BC-1339E1E49A3A}" type="datetimeFigureOut">
               <a:rPr lang="en-US" smtClean="0"/>
-              <a:t>3/6/17</a:t>
+              <a:t>3/27/17</a:t>
             </a:fld>
             <a:endParaRPr lang="en-US"/>
           </a:p>
@@ -413,7 +420,7 @@
           <a:p>
             <a:fld id="{5D347177-0F06-40E7-B6BC-1339E1E49A3A}" type="datetimeFigureOut">
               <a:rPr lang="en-US" smtClean="0"/>
-              <a:t>3/6/17</a:t>
+              <a:t>3/27/17</a:t>
             </a:fld>
             <a:endParaRPr lang="en-US"/>
           </a:p>
@@ -593,7 +600,7 @@
           <a:p>
             <a:fld id="{5D347177-0F06-40E7-B6BC-1339E1E49A3A}" type="datetimeFigureOut">
               <a:rPr lang="en-US" smtClean="0"/>
-              <a:t>3/6/17</a:t>
+              <a:t>3/27/17</a:t>
             </a:fld>
             <a:endParaRPr lang="en-US"/>
           </a:p>
@@ -763,7 +770,7 @@
           <a:p>
             <a:fld id="{5D347177-0F06-40E7-B6BC-1339E1E49A3A}" type="datetimeFigureOut">
               <a:rPr lang="en-US" smtClean="0"/>
-              <a:t>3/6/17</a:t>
+              <a:t>3/27/17</a:t>
             </a:fld>
             <a:endParaRPr lang="en-US"/>
           </a:p>
@@ -1009,7 +1016,7 @@
           <a:p>
             <a:fld id="{5D347177-0F06-40E7-B6BC-1339E1E49A3A}" type="datetimeFigureOut">
               <a:rPr lang="en-US" smtClean="0"/>
-              <a:t>3/6/17</a:t>
+              <a:t>3/27/17</a:t>
             </a:fld>
             <a:endParaRPr lang="en-US"/>
           </a:p>
@@ -1241,7 +1248,7 @@
           <a:p>
             <a:fld id="{5D347177-0F06-40E7-B6BC-1339E1E49A3A}" type="datetimeFigureOut">
               <a:rPr lang="en-US" smtClean="0"/>
-              <a:t>3/6/17</a:t>
+              <a:t>3/27/17</a:t>
             </a:fld>
             <a:endParaRPr lang="en-US"/>
           </a:p>
@@ -1608,7 +1615,7 @@
           <a:p>
             <a:fld id="{5D347177-0F06-40E7-B6BC-1339E1E49A3A}" type="datetimeFigureOut">
               <a:rPr lang="en-US" smtClean="0"/>
-              <a:t>3/6/17</a:t>
+              <a:t>3/27/17</a:t>
             </a:fld>
             <a:endParaRPr lang="en-US"/>
           </a:p>
@@ -1726,7 +1733,7 @@
           <a:p>
             <a:fld id="{5D347177-0F06-40E7-B6BC-1339E1E49A3A}" type="datetimeFigureOut">
               <a:rPr lang="en-US" smtClean="0"/>
-              <a:t>3/6/17</a:t>
+              <a:t>3/27/17</a:t>
             </a:fld>
             <a:endParaRPr lang="en-US"/>
           </a:p>
@@ -1821,7 +1828,7 @@
           <a:p>
             <a:fld id="{5D347177-0F06-40E7-B6BC-1339E1E49A3A}" type="datetimeFigureOut">
               <a:rPr lang="en-US" smtClean="0"/>
-              <a:t>3/6/17</a:t>
+              <a:t>3/27/17</a:t>
             </a:fld>
             <a:endParaRPr lang="en-US"/>
           </a:p>
@@ -2098,7 +2105,7 @@
           <a:p>
             <a:fld id="{5D347177-0F06-40E7-B6BC-1339E1E49A3A}" type="datetimeFigureOut">
               <a:rPr lang="en-US" smtClean="0"/>
-              <a:t>3/6/17</a:t>
+              <a:t>3/27/17</a:t>
             </a:fld>
             <a:endParaRPr lang="en-US"/>
           </a:p>
@@ -2351,7 +2358,7 @@
           <a:p>
             <a:fld id="{5D347177-0F06-40E7-B6BC-1339E1E49A3A}" type="datetimeFigureOut">
               <a:rPr lang="en-US" smtClean="0"/>
-              <a:t>3/6/17</a:t>
+              <a:t>3/27/17</a:t>
             </a:fld>
             <a:endParaRPr lang="en-US"/>
           </a:p>
@@ -2564,7 +2571,7 @@
           <a:p>
             <a:fld id="{5D347177-0F06-40E7-B6BC-1339E1E49A3A}" type="datetimeFigureOut">
               <a:rPr lang="en-US" smtClean="0"/>
-              <a:t>3/6/17</a:t>
+              <a:t>3/27/17</a:t>
             </a:fld>
             <a:endParaRPr lang="en-US"/>
           </a:p>
@@ -3036,6 +3043,1638 @@
 </p:sld>
 </file>
 
+<file path=ppt/slides/slide2.xml><?xml version="1.0" encoding="utf-8"?>
+<p:sld xmlns:a="http://schemas.openxmlformats.org/drawingml/2006/main" xmlns:r="http://schemas.openxmlformats.org/officeDocument/2006/relationships" xmlns:p="http://schemas.openxmlformats.org/presentationml/2006/main">
+  <p:cSld>
+    <p:spTree>
+      <p:nvGrpSpPr>
+        <p:cNvPr id="1" name=""/>
+        <p:cNvGrpSpPr/>
+        <p:nvPr/>
+      </p:nvGrpSpPr>
+      <p:grpSpPr>
+        <a:xfrm>
+          <a:off x="0" y="0"/>
+          <a:ext cx="0" cy="0"/>
+          <a:chOff x="0" y="0"/>
+          <a:chExt cx="0" cy="0"/>
+        </a:xfrm>
+      </p:grpSpPr>
+      <p:sp>
+        <p:nvSpPr>
+          <p:cNvPr id="2" name="Title 1"/>
+          <p:cNvSpPr>
+            <a:spLocks noGrp="1"/>
+          </p:cNvSpPr>
+          <p:nvPr>
+            <p:ph type="title"/>
+          </p:nvPr>
+        </p:nvSpPr>
+        <p:spPr/>
+        <p:txBody>
+          <a:bodyPr/>
+          <a:lstStyle/>
+          <a:p>
+            <a:r>
+              <a:rPr lang="en-US" dirty="0" smtClean="0"/>
+              <a:t>Instrument</a:t>
+            </a:r>
+            <a:endParaRPr lang="en-US" dirty="0"/>
+          </a:p>
+        </p:txBody>
+      </p:sp>
+      <p:sp>
+        <p:nvSpPr>
+          <p:cNvPr id="3" name="Content Placeholder 2"/>
+          <p:cNvSpPr>
+            <a:spLocks noGrp="1"/>
+          </p:cNvSpPr>
+          <p:nvPr>
+            <p:ph idx="1"/>
+          </p:nvPr>
+        </p:nvSpPr>
+        <p:spPr/>
+        <p:txBody>
+          <a:bodyPr/>
+          <a:lstStyle/>
+          <a:p>
+            <a:r>
+              <a:rPr lang="en-US" dirty="0" err="1" smtClean="0"/>
+              <a:t>exTorr</a:t>
+            </a:r>
+            <a:r>
+              <a:rPr lang="en-US" dirty="0"/>
+              <a:t> RGA Model XT100</a:t>
+            </a:r>
+            <a:br>
+              <a:rPr lang="en-US" dirty="0"/>
+            </a:br>
+            <a:r>
+              <a:rPr lang="en-US" dirty="0">
+                <a:hlinkClick r:id="rId2"/>
+              </a:rPr>
+              <a:t>http://</a:t>
+            </a:r>
+            <a:r>
+              <a:rPr lang="en-US" dirty="0" smtClean="0">
+                <a:hlinkClick r:id="rId2"/>
+              </a:rPr>
+              <a:t>www.extorr.com/products</a:t>
+            </a:r>
+            <a:endParaRPr lang="en-US" dirty="0" smtClean="0"/>
+          </a:p>
+          <a:p>
+            <a:r>
+              <a:rPr lang="en-US" dirty="0" smtClean="0"/>
+              <a:t>Mass range: 1 to 100 </a:t>
+            </a:r>
+            <a:r>
+              <a:rPr lang="en-US" dirty="0" err="1" smtClean="0"/>
+              <a:t>amu</a:t>
+            </a:r>
+            <a:endParaRPr lang="en-US" dirty="0" smtClean="0"/>
+          </a:p>
+          <a:p>
+            <a:r>
+              <a:rPr lang="en-US" dirty="0" smtClean="0"/>
+              <a:t>Interaction only with Windows</a:t>
+            </a:r>
+          </a:p>
+          <a:p>
+            <a:pPr lvl="1"/>
+            <a:r>
+              <a:rPr lang="en-US" dirty="0" smtClean="0"/>
+              <a:t>Control software: Vacuum Plus</a:t>
+            </a:r>
+            <a:endParaRPr lang="en-US" dirty="0"/>
+          </a:p>
+        </p:txBody>
+      </p:sp>
+    </p:spTree>
+    <p:extLst>
+      <p:ext uri="{BB962C8B-B14F-4D97-AF65-F5344CB8AC3E}">
+        <p14:creationId xmlns:p14="http://schemas.microsoft.com/office/powerpoint/2010/main" val="105927314"/>
+      </p:ext>
+    </p:extLst>
+  </p:cSld>
+  <p:clrMapOvr>
+    <a:masterClrMapping/>
+  </p:clrMapOvr>
+</p:sld>
+</file>
+
+<file path=ppt/slides/slide3.xml><?xml version="1.0" encoding="utf-8"?>
+<p:sld xmlns:a="http://schemas.openxmlformats.org/drawingml/2006/main" xmlns:r="http://schemas.openxmlformats.org/officeDocument/2006/relationships" xmlns:p="http://schemas.openxmlformats.org/presentationml/2006/main">
+  <p:cSld>
+    <p:spTree>
+      <p:nvGrpSpPr>
+        <p:cNvPr id="1" name=""/>
+        <p:cNvGrpSpPr/>
+        <p:nvPr/>
+      </p:nvGrpSpPr>
+      <p:grpSpPr>
+        <a:xfrm>
+          <a:off x="0" y="0"/>
+          <a:ext cx="0" cy="0"/>
+          <a:chOff x="0" y="0"/>
+          <a:chExt cx="0" cy="0"/>
+        </a:xfrm>
+      </p:grpSpPr>
+      <p:sp>
+        <p:nvSpPr>
+          <p:cNvPr id="2" name="Title 1"/>
+          <p:cNvSpPr>
+            <a:spLocks noGrp="1"/>
+          </p:cNvSpPr>
+          <p:nvPr>
+            <p:ph type="title"/>
+          </p:nvPr>
+        </p:nvSpPr>
+        <p:spPr/>
+        <p:txBody>
+          <a:bodyPr/>
+          <a:lstStyle/>
+          <a:p>
+            <a:r>
+              <a:rPr lang="en-US" dirty="0" smtClean="0"/>
+              <a:t>How mosquito works</a:t>
+            </a:r>
+            <a:endParaRPr lang="en-US" dirty="0"/>
+          </a:p>
+        </p:txBody>
+      </p:sp>
+      <p:sp>
+        <p:nvSpPr>
+          <p:cNvPr id="3" name="Content Placeholder 2"/>
+          <p:cNvSpPr>
+            <a:spLocks noGrp="1"/>
+          </p:cNvSpPr>
+          <p:nvPr>
+            <p:ph idx="1"/>
+          </p:nvPr>
+        </p:nvSpPr>
+        <p:spPr/>
+        <p:txBody>
+          <a:bodyPr/>
+          <a:lstStyle/>
+          <a:p>
+            <a:r>
+              <a:rPr lang="en-US" dirty="0" smtClean="0"/>
+              <a:t>Behavior of the RGA controlled by instances of </a:t>
+            </a:r>
+            <a:r>
+              <a:rPr lang="en-US" dirty="0" err="1" smtClean="0"/>
+              <a:t>VacuumPlus.exe</a:t>
+            </a:r>
+            <a:r>
+              <a:rPr lang="en-US" dirty="0" smtClean="0"/>
+              <a:t> and a set of configuration files loaded by each instance</a:t>
+            </a:r>
+          </a:p>
+          <a:p>
+            <a:pPr lvl="1"/>
+            <a:r>
+              <a:rPr lang="en-US" dirty="0" smtClean="0"/>
+              <a:t>Filament off/Saving off (off)</a:t>
+            </a:r>
+          </a:p>
+          <a:p>
+            <a:pPr lvl="1"/>
+            <a:r>
+              <a:rPr lang="en-US" dirty="0" smtClean="0"/>
+              <a:t>Filament on/Saving off (warmup)</a:t>
+            </a:r>
+          </a:p>
+          <a:p>
+            <a:pPr lvl="1"/>
+            <a:r>
+              <a:rPr lang="en-US" dirty="0" smtClean="0"/>
+              <a:t>Filament on/Saving on (acquisition mode)</a:t>
+            </a:r>
+          </a:p>
+          <a:p>
+            <a:r>
+              <a:rPr lang="en-US" dirty="0" smtClean="0"/>
+              <a:t>Interface with dripline-</a:t>
+            </a:r>
+            <a:r>
+              <a:rPr lang="en-US" dirty="0" err="1" smtClean="0"/>
+              <a:t>labview</a:t>
+            </a:r>
+            <a:endParaRPr lang="en-US" dirty="0" smtClean="0"/>
+          </a:p>
+          <a:p>
+            <a:endParaRPr lang="en-US" dirty="0"/>
+          </a:p>
+        </p:txBody>
+      </p:sp>
+    </p:spTree>
+    <p:extLst>
+      <p:ext uri="{BB962C8B-B14F-4D97-AF65-F5344CB8AC3E}">
+        <p14:creationId xmlns:p14="http://schemas.microsoft.com/office/powerpoint/2010/main" val="692219775"/>
+      </p:ext>
+    </p:extLst>
+  </p:cSld>
+  <p:clrMapOvr>
+    <a:masterClrMapping/>
+  </p:clrMapOvr>
+</p:sld>
+</file>
+
+<file path=ppt/slides/slide4.xml><?xml version="1.0" encoding="utf-8"?>
+<p:sld xmlns:a="http://schemas.openxmlformats.org/drawingml/2006/main" xmlns:r="http://schemas.openxmlformats.org/officeDocument/2006/relationships" xmlns:p="http://schemas.openxmlformats.org/presentationml/2006/main">
+  <p:cSld>
+    <p:spTree>
+      <p:nvGrpSpPr>
+        <p:cNvPr id="1" name=""/>
+        <p:cNvGrpSpPr/>
+        <p:nvPr/>
+      </p:nvGrpSpPr>
+      <p:grpSpPr>
+        <a:xfrm>
+          <a:off x="0" y="0"/>
+          <a:ext cx="0" cy="0"/>
+          <a:chOff x="0" y="0"/>
+          <a:chExt cx="0" cy="0"/>
+        </a:xfrm>
+      </p:grpSpPr>
+      <p:sp>
+        <p:nvSpPr>
+          <p:cNvPr id="2" name="Title 1"/>
+          <p:cNvSpPr>
+            <a:spLocks noGrp="1"/>
+          </p:cNvSpPr>
+          <p:nvPr>
+            <p:ph type="title"/>
+          </p:nvPr>
+        </p:nvSpPr>
+        <p:spPr/>
+        <p:txBody>
+          <a:bodyPr/>
+          <a:lstStyle/>
+          <a:p>
+            <a:r>
+              <a:rPr lang="en-US" dirty="0" smtClean="0"/>
+              <a:t>Requirements</a:t>
+            </a:r>
+            <a:endParaRPr lang="en-US" dirty="0"/>
+          </a:p>
+        </p:txBody>
+      </p:sp>
+      <p:sp>
+        <p:nvSpPr>
+          <p:cNvPr id="3" name="Content Placeholder 2"/>
+          <p:cNvSpPr>
+            <a:spLocks noGrp="1"/>
+          </p:cNvSpPr>
+          <p:nvPr>
+            <p:ph idx="1"/>
+          </p:nvPr>
+        </p:nvSpPr>
+        <p:spPr/>
+        <p:txBody>
+          <a:bodyPr/>
+          <a:lstStyle/>
+          <a:p>
+            <a:endParaRPr lang="en-US"/>
+          </a:p>
+        </p:txBody>
+      </p:sp>
+    </p:spTree>
+    <p:extLst>
+      <p:ext uri="{BB962C8B-B14F-4D97-AF65-F5344CB8AC3E}">
+        <p14:creationId xmlns:p14="http://schemas.microsoft.com/office/powerpoint/2010/main" val="762469124"/>
+      </p:ext>
+    </p:extLst>
+  </p:cSld>
+  <p:clrMapOvr>
+    <a:masterClrMapping/>
+  </p:clrMapOvr>
+</p:sld>
+</file>
+
+<file path=ppt/slides/slide5.xml><?xml version="1.0" encoding="utf-8"?>
+<p:sld xmlns:a="http://schemas.openxmlformats.org/drawingml/2006/main" xmlns:r="http://schemas.openxmlformats.org/officeDocument/2006/relationships" xmlns:p="http://schemas.openxmlformats.org/presentationml/2006/main">
+  <p:cSld>
+    <p:spTree>
+      <p:nvGrpSpPr>
+        <p:cNvPr id="1" name=""/>
+        <p:cNvGrpSpPr/>
+        <p:nvPr/>
+      </p:nvGrpSpPr>
+      <p:grpSpPr>
+        <a:xfrm>
+          <a:off x="0" y="0"/>
+          <a:ext cx="0" cy="0"/>
+          <a:chOff x="0" y="0"/>
+          <a:chExt cx="0" cy="0"/>
+        </a:xfrm>
+      </p:grpSpPr>
+      <p:sp>
+        <p:nvSpPr>
+          <p:cNvPr id="2" name="Title 1"/>
+          <p:cNvSpPr>
+            <a:spLocks noGrp="1"/>
+          </p:cNvSpPr>
+          <p:nvPr>
+            <p:ph type="title"/>
+          </p:nvPr>
+        </p:nvSpPr>
+        <p:spPr/>
+        <p:txBody>
+          <a:bodyPr/>
+          <a:lstStyle/>
+          <a:p>
+            <a:r>
+              <a:rPr lang="en-US" dirty="0" smtClean="0"/>
+              <a:t>Global scheme (</a:t>
+            </a:r>
+            <a:r>
+              <a:rPr lang="en-US" dirty="0" err="1" smtClean="0"/>
+              <a:t>main.vi</a:t>
+            </a:r>
+            <a:r>
+              <a:rPr lang="en-US" dirty="0" smtClean="0"/>
+              <a:t>)</a:t>
+            </a:r>
+            <a:endParaRPr lang="en-US" dirty="0"/>
+          </a:p>
+        </p:txBody>
+      </p:sp>
+      <p:sp>
+        <p:nvSpPr>
+          <p:cNvPr id="4" name="Rectangle 3"/>
+          <p:cNvSpPr/>
+          <p:nvPr/>
+        </p:nvSpPr>
+        <p:spPr>
+          <a:xfrm>
+            <a:off x="203200" y="3430589"/>
+            <a:ext cx="3219450" cy="938212"/>
+          </a:xfrm>
+          <a:prstGeom prst="rect">
+            <a:avLst/>
+          </a:prstGeom>
+        </p:spPr>
+        <p:style>
+          <a:lnRef idx="2">
+            <a:schemeClr val="accent1"/>
+          </a:lnRef>
+          <a:fillRef idx="1">
+            <a:schemeClr val="lt1"/>
+          </a:fillRef>
+          <a:effectRef idx="0">
+            <a:schemeClr val="accent1"/>
+          </a:effectRef>
+          <a:fontRef idx="minor">
+            <a:schemeClr val="dk1"/>
+          </a:fontRef>
+        </p:style>
+        <p:txBody>
+          <a:bodyPr rtlCol="0" anchor="ctr"/>
+          <a:lstStyle/>
+          <a:p>
+            <a:pPr algn="ctr"/>
+            <a:r>
+              <a:rPr lang="en-US" dirty="0" err="1" smtClean="0"/>
+              <a:t>Init</a:t>
+            </a:r>
+            <a:endParaRPr lang="en-US" dirty="0" smtClean="0"/>
+          </a:p>
+          <a:p>
+            <a:pPr marL="285750" indent="-285750" algn="ctr">
+              <a:buFontTx/>
+              <a:buChar char="-"/>
+            </a:pPr>
+            <a:r>
+              <a:rPr lang="en-US" dirty="0" smtClean="0"/>
+              <a:t>.project8_authentications</a:t>
+            </a:r>
+          </a:p>
+          <a:p>
+            <a:pPr marL="285750" indent="-285750" algn="ctr">
+              <a:buFontTx/>
+              <a:buChar char="-"/>
+            </a:pPr>
+            <a:r>
+              <a:rPr lang="en-US" dirty="0" err="1" smtClean="0"/>
+              <a:t>Config</a:t>
+            </a:r>
+            <a:r>
+              <a:rPr lang="en-US" dirty="0" smtClean="0"/>
+              <a:t> file</a:t>
+            </a:r>
+            <a:endParaRPr lang="en-US" dirty="0"/>
+          </a:p>
+        </p:txBody>
+      </p:sp>
+      <p:cxnSp>
+        <p:nvCxnSpPr>
+          <p:cNvPr id="7" name="Straight Arrow Connector 6"/>
+          <p:cNvCxnSpPr>
+            <a:stCxn id="4" idx="3"/>
+            <a:endCxn id="5" idx="1"/>
+          </p:cNvCxnSpPr>
+          <p:nvPr/>
+        </p:nvCxnSpPr>
+        <p:spPr>
+          <a:xfrm>
+            <a:off x="3422650" y="3899695"/>
+            <a:ext cx="385041" cy="6349"/>
+          </a:xfrm>
+          <a:prstGeom prst="straightConnector1">
+            <a:avLst/>
+          </a:prstGeom>
+          <a:ln>
+            <a:tailEnd type="triangle"/>
+          </a:ln>
+        </p:spPr>
+        <p:style>
+          <a:lnRef idx="3">
+            <a:schemeClr val="accent1"/>
+          </a:lnRef>
+          <a:fillRef idx="0">
+            <a:schemeClr val="accent1"/>
+          </a:fillRef>
+          <a:effectRef idx="2">
+            <a:schemeClr val="accent1"/>
+          </a:effectRef>
+          <a:fontRef idx="minor">
+            <a:schemeClr val="tx1"/>
+          </a:fontRef>
+        </p:style>
+      </p:cxnSp>
+      <p:grpSp>
+        <p:nvGrpSpPr>
+          <p:cNvPr id="19" name="Group 18"/>
+          <p:cNvGrpSpPr/>
+          <p:nvPr/>
+        </p:nvGrpSpPr>
+        <p:grpSpPr>
+          <a:xfrm>
+            <a:off x="3807691" y="356058"/>
+            <a:ext cx="6961909" cy="5930442"/>
+            <a:chOff x="2524991" y="521158"/>
+            <a:chExt cx="6961909" cy="5930442"/>
+          </a:xfrm>
+        </p:grpSpPr>
+        <p:sp>
+          <p:nvSpPr>
+            <p:cNvPr id="5" name="Rectangle 4"/>
+            <p:cNvSpPr/>
+            <p:nvPr/>
+          </p:nvSpPr>
+          <p:spPr>
+            <a:xfrm>
+              <a:off x="2524991" y="1690688"/>
+              <a:ext cx="6049818" cy="4760912"/>
+            </a:xfrm>
+            <a:prstGeom prst="rect">
+              <a:avLst/>
+            </a:prstGeom>
+          </p:spPr>
+          <p:style>
+            <a:lnRef idx="2">
+              <a:schemeClr val="accent1"/>
+            </a:lnRef>
+            <a:fillRef idx="1">
+              <a:schemeClr val="lt1"/>
+            </a:fillRef>
+            <a:effectRef idx="0">
+              <a:schemeClr val="accent1"/>
+            </a:effectRef>
+            <a:fontRef idx="minor">
+              <a:schemeClr val="dk1"/>
+            </a:fontRef>
+          </p:style>
+          <p:txBody>
+            <a:bodyPr rtlCol="0" anchor="ctr"/>
+            <a:lstStyle/>
+            <a:p>
+              <a:pPr algn="ctr"/>
+              <a:endParaRPr lang="en-US"/>
+            </a:p>
+          </p:txBody>
+        </p:sp>
+        <p:sp>
+          <p:nvSpPr>
+            <p:cNvPr id="8" name="Rectangle 7"/>
+            <p:cNvSpPr/>
+            <p:nvPr/>
+          </p:nvSpPr>
+          <p:spPr>
+            <a:xfrm>
+              <a:off x="2667000" y="1943100"/>
+              <a:ext cx="2616200" cy="1121112"/>
+            </a:xfrm>
+            <a:prstGeom prst="rect">
+              <a:avLst/>
+            </a:prstGeom>
+          </p:spPr>
+          <p:style>
+            <a:lnRef idx="2">
+              <a:schemeClr val="accent2">
+                <a:shade val="50000"/>
+              </a:schemeClr>
+            </a:lnRef>
+            <a:fillRef idx="1">
+              <a:schemeClr val="accent2"/>
+            </a:fillRef>
+            <a:effectRef idx="0">
+              <a:schemeClr val="accent2"/>
+            </a:effectRef>
+            <a:fontRef idx="minor">
+              <a:schemeClr val="lt1"/>
+            </a:fontRef>
+          </p:style>
+          <p:txBody>
+            <a:bodyPr rtlCol="0" anchor="ctr"/>
+            <a:lstStyle/>
+            <a:p>
+              <a:pPr algn="ctr"/>
+              <a:r>
+                <a:rPr lang="en-US" dirty="0" smtClean="0"/>
+                <a:t>Listen to broadcast</a:t>
+              </a:r>
+            </a:p>
+            <a:p>
+              <a:pPr marL="285750" indent="-285750" algn="ctr">
+                <a:buFontTx/>
+                <a:buChar char="-"/>
+              </a:pPr>
+              <a:r>
+                <a:rPr lang="en-US" dirty="0" err="1"/>
+                <a:t>b</a:t>
+              </a:r>
+              <a:r>
+                <a:rPr lang="en-US" dirty="0" err="1" smtClean="0"/>
+                <a:t>roadcast.ping</a:t>
+              </a:r>
+              <a:endParaRPr lang="en-US" dirty="0" smtClean="0"/>
+            </a:p>
+            <a:p>
+              <a:pPr marL="285750" indent="-285750" algn="ctr">
+                <a:buFontTx/>
+                <a:buChar char="-"/>
+              </a:pPr>
+              <a:r>
+                <a:rPr lang="en-US" dirty="0" err="1"/>
+                <a:t>r</a:t>
+              </a:r>
+              <a:r>
+                <a:rPr lang="en-US" dirty="0" err="1" smtClean="0"/>
+                <a:t>ga_interface.ping</a:t>
+              </a:r>
+              <a:endParaRPr lang="en-US" dirty="0" smtClean="0"/>
+            </a:p>
+          </p:txBody>
+        </p:sp>
+        <p:sp>
+          <p:nvSpPr>
+            <p:cNvPr id="9" name="Rectangle 8"/>
+            <p:cNvSpPr/>
+            <p:nvPr/>
+          </p:nvSpPr>
+          <p:spPr>
+            <a:xfrm>
+              <a:off x="2667000" y="3201988"/>
+              <a:ext cx="2616200" cy="579437"/>
+            </a:xfrm>
+            <a:prstGeom prst="rect">
+              <a:avLst/>
+            </a:prstGeom>
+          </p:spPr>
+          <p:style>
+            <a:lnRef idx="2">
+              <a:schemeClr val="accent2">
+                <a:shade val="50000"/>
+              </a:schemeClr>
+            </a:lnRef>
+            <a:fillRef idx="1">
+              <a:schemeClr val="accent2"/>
+            </a:fillRef>
+            <a:effectRef idx="0">
+              <a:schemeClr val="accent2"/>
+            </a:effectRef>
+            <a:fontRef idx="minor">
+              <a:schemeClr val="lt1"/>
+            </a:fontRef>
+          </p:style>
+          <p:txBody>
+            <a:bodyPr rtlCol="0" anchor="ctr"/>
+            <a:lstStyle/>
+            <a:p>
+              <a:pPr algn="ctr"/>
+              <a:r>
+                <a:rPr lang="en-US" dirty="0" smtClean="0"/>
+                <a:t>Listener</a:t>
+              </a:r>
+            </a:p>
+            <a:p>
+              <a:pPr algn="ctr"/>
+              <a:r>
+                <a:rPr lang="en-US" dirty="0" smtClean="0"/>
+                <a:t>- </a:t>
+              </a:r>
+              <a:r>
+                <a:rPr lang="en-US" dirty="0" err="1" smtClean="0"/>
+                <a:t>rga_interface.start</a:t>
+              </a:r>
+              <a:endParaRPr lang="en-US" dirty="0" smtClean="0"/>
+            </a:p>
+          </p:txBody>
+        </p:sp>
+        <p:sp>
+          <p:nvSpPr>
+            <p:cNvPr id="10" name="Rectangle 9"/>
+            <p:cNvSpPr/>
+            <p:nvPr/>
+          </p:nvSpPr>
+          <p:spPr>
+            <a:xfrm>
+              <a:off x="2667000" y="3888750"/>
+              <a:ext cx="2616200" cy="579437"/>
+            </a:xfrm>
+            <a:prstGeom prst="rect">
+              <a:avLst/>
+            </a:prstGeom>
+          </p:spPr>
+          <p:style>
+            <a:lnRef idx="2">
+              <a:schemeClr val="accent2">
+                <a:shade val="50000"/>
+              </a:schemeClr>
+            </a:lnRef>
+            <a:fillRef idx="1">
+              <a:schemeClr val="accent2"/>
+            </a:fillRef>
+            <a:effectRef idx="0">
+              <a:schemeClr val="accent2"/>
+            </a:effectRef>
+            <a:fontRef idx="minor">
+              <a:schemeClr val="lt1"/>
+            </a:fontRef>
+          </p:style>
+          <p:txBody>
+            <a:bodyPr rtlCol="0" anchor="ctr"/>
+            <a:lstStyle/>
+            <a:p>
+              <a:pPr algn="ctr"/>
+              <a:r>
+                <a:rPr lang="en-US" dirty="0" smtClean="0"/>
+                <a:t>Listener</a:t>
+              </a:r>
+            </a:p>
+            <a:p>
+              <a:pPr algn="ctr"/>
+              <a:r>
+                <a:rPr lang="en-US" dirty="0" smtClean="0"/>
+                <a:t>- </a:t>
+              </a:r>
+              <a:r>
+                <a:rPr lang="en-US" dirty="0" err="1" smtClean="0"/>
+                <a:t>rga_interface.stop</a:t>
+              </a:r>
+              <a:endParaRPr lang="en-US" dirty="0" smtClean="0"/>
+            </a:p>
+          </p:txBody>
+        </p:sp>
+        <p:sp>
+          <p:nvSpPr>
+            <p:cNvPr id="11" name="Rectangle 10"/>
+            <p:cNvSpPr/>
+            <p:nvPr/>
+          </p:nvSpPr>
+          <p:spPr>
+            <a:xfrm>
+              <a:off x="2667000" y="4638050"/>
+              <a:ext cx="2616200" cy="579437"/>
+            </a:xfrm>
+            <a:prstGeom prst="rect">
+              <a:avLst/>
+            </a:prstGeom>
+          </p:spPr>
+          <p:style>
+            <a:lnRef idx="2">
+              <a:schemeClr val="accent2">
+                <a:shade val="50000"/>
+              </a:schemeClr>
+            </a:lnRef>
+            <a:fillRef idx="1">
+              <a:schemeClr val="accent2"/>
+            </a:fillRef>
+            <a:effectRef idx="0">
+              <a:schemeClr val="accent2"/>
+            </a:effectRef>
+            <a:fontRef idx="minor">
+              <a:schemeClr val="lt1"/>
+            </a:fontRef>
+          </p:style>
+          <p:txBody>
+            <a:bodyPr rtlCol="0" anchor="ctr"/>
+            <a:lstStyle/>
+            <a:p>
+              <a:pPr algn="ctr"/>
+              <a:r>
+                <a:rPr lang="en-US" dirty="0" smtClean="0"/>
+                <a:t>Listener</a:t>
+              </a:r>
+            </a:p>
+            <a:p>
+              <a:pPr algn="ctr"/>
+              <a:r>
+                <a:rPr lang="en-US" dirty="0" smtClean="0"/>
+                <a:t>- </a:t>
+              </a:r>
+              <a:r>
+                <a:rPr lang="en-US" dirty="0" err="1" smtClean="0"/>
+                <a:t>rga_interface.is_running</a:t>
+              </a:r>
+              <a:endParaRPr lang="en-US" dirty="0" smtClean="0"/>
+            </a:p>
+          </p:txBody>
+        </p:sp>
+        <p:sp>
+          <p:nvSpPr>
+            <p:cNvPr id="12" name="Rectangle 11"/>
+            <p:cNvSpPr/>
+            <p:nvPr/>
+          </p:nvSpPr>
+          <p:spPr>
+            <a:xfrm>
+              <a:off x="5842000" y="1943100"/>
+              <a:ext cx="2616200" cy="508000"/>
+            </a:xfrm>
+            <a:prstGeom prst="rect">
+              <a:avLst/>
+            </a:prstGeom>
+          </p:spPr>
+          <p:style>
+            <a:lnRef idx="2">
+              <a:schemeClr val="accent6">
+                <a:shade val="50000"/>
+              </a:schemeClr>
+            </a:lnRef>
+            <a:fillRef idx="1">
+              <a:schemeClr val="accent6"/>
+            </a:fillRef>
+            <a:effectRef idx="0">
+              <a:schemeClr val="accent6"/>
+            </a:effectRef>
+            <a:fontRef idx="minor">
+              <a:schemeClr val="lt1"/>
+            </a:fontRef>
+          </p:style>
+          <p:txBody>
+            <a:bodyPr rtlCol="0" anchor="ctr"/>
+            <a:lstStyle/>
+            <a:p>
+              <a:pPr algn="ctr"/>
+              <a:r>
+                <a:rPr lang="en-US" dirty="0" smtClean="0"/>
+                <a:t>Display log</a:t>
+              </a:r>
+              <a:endParaRPr lang="en-US" dirty="0"/>
+            </a:p>
+          </p:txBody>
+        </p:sp>
+        <p:sp>
+          <p:nvSpPr>
+            <p:cNvPr id="13" name="Rectangle 12"/>
+            <p:cNvSpPr/>
+            <p:nvPr/>
+          </p:nvSpPr>
+          <p:spPr>
+            <a:xfrm>
+              <a:off x="5842000" y="2556212"/>
+              <a:ext cx="2616200" cy="508000"/>
+            </a:xfrm>
+            <a:prstGeom prst="rect">
+              <a:avLst/>
+            </a:prstGeom>
+          </p:spPr>
+          <p:style>
+            <a:lnRef idx="2">
+              <a:schemeClr val="accent6">
+                <a:shade val="50000"/>
+              </a:schemeClr>
+            </a:lnRef>
+            <a:fillRef idx="1">
+              <a:schemeClr val="accent6"/>
+            </a:fillRef>
+            <a:effectRef idx="0">
+              <a:schemeClr val="accent6"/>
+            </a:effectRef>
+            <a:fontRef idx="minor">
+              <a:schemeClr val="lt1"/>
+            </a:fontRef>
+          </p:style>
+          <p:txBody>
+            <a:bodyPr rtlCol="0" anchor="ctr"/>
+            <a:lstStyle/>
+            <a:p>
+              <a:pPr algn="ctr"/>
+              <a:r>
+                <a:rPr lang="en-US" dirty="0" smtClean="0"/>
+                <a:t>Do data </a:t>
+              </a:r>
+              <a:r>
+                <a:rPr lang="en-US" smtClean="0"/>
+                <a:t>taking procedure</a:t>
+              </a:r>
+              <a:endParaRPr lang="en-US" dirty="0"/>
+            </a:p>
+          </p:txBody>
+        </p:sp>
+        <p:sp>
+          <p:nvSpPr>
+            <p:cNvPr id="14" name="Rectangle 13"/>
+            <p:cNvSpPr/>
+            <p:nvPr/>
+          </p:nvSpPr>
+          <p:spPr>
+            <a:xfrm>
+              <a:off x="5835650" y="3182938"/>
+              <a:ext cx="2616200" cy="508000"/>
+            </a:xfrm>
+            <a:prstGeom prst="rect">
+              <a:avLst/>
+            </a:prstGeom>
+          </p:spPr>
+          <p:style>
+            <a:lnRef idx="2">
+              <a:schemeClr val="accent6">
+                <a:shade val="50000"/>
+              </a:schemeClr>
+            </a:lnRef>
+            <a:fillRef idx="1">
+              <a:schemeClr val="accent6"/>
+            </a:fillRef>
+            <a:effectRef idx="0">
+              <a:schemeClr val="accent6"/>
+            </a:effectRef>
+            <a:fontRef idx="minor">
+              <a:schemeClr val="lt1"/>
+            </a:fontRef>
+          </p:style>
+          <p:txBody>
+            <a:bodyPr rtlCol="0" anchor="ctr"/>
+            <a:lstStyle/>
+            <a:p>
+              <a:pPr algn="ctr"/>
+              <a:r>
+                <a:rPr lang="en-US" dirty="0" smtClean="0"/>
+                <a:t>Stop taking procedure</a:t>
+              </a:r>
+              <a:endParaRPr lang="en-US" dirty="0"/>
+            </a:p>
+          </p:txBody>
+        </p:sp>
+        <p:sp>
+          <p:nvSpPr>
+            <p:cNvPr id="15" name="Rectangle 14"/>
+            <p:cNvSpPr/>
+            <p:nvPr/>
+          </p:nvSpPr>
+          <p:spPr>
+            <a:xfrm>
+              <a:off x="5835650" y="3817144"/>
+              <a:ext cx="2616200" cy="508000"/>
+            </a:xfrm>
+            <a:prstGeom prst="rect">
+              <a:avLst/>
+            </a:prstGeom>
+          </p:spPr>
+          <p:style>
+            <a:lnRef idx="2">
+              <a:schemeClr val="accent6">
+                <a:shade val="50000"/>
+              </a:schemeClr>
+            </a:lnRef>
+            <a:fillRef idx="1">
+              <a:schemeClr val="accent6"/>
+            </a:fillRef>
+            <a:effectRef idx="0">
+              <a:schemeClr val="accent6"/>
+            </a:effectRef>
+            <a:fontRef idx="minor">
+              <a:schemeClr val="lt1"/>
+            </a:fontRef>
+          </p:style>
+          <p:txBody>
+            <a:bodyPr rtlCol="0" anchor="ctr"/>
+            <a:lstStyle/>
+            <a:p>
+              <a:pPr algn="ctr"/>
+              <a:r>
+                <a:rPr lang="en-US" dirty="0" smtClean="0"/>
+                <a:t>Scheduler</a:t>
+              </a:r>
+              <a:endParaRPr lang="en-US" dirty="0"/>
+            </a:p>
+          </p:txBody>
+        </p:sp>
+        <p:sp>
+          <p:nvSpPr>
+            <p:cNvPr id="30" name="Rectangle 29"/>
+            <p:cNvSpPr/>
+            <p:nvPr/>
+          </p:nvSpPr>
+          <p:spPr>
+            <a:xfrm>
+              <a:off x="7670800" y="521158"/>
+              <a:ext cx="1816100" cy="416598"/>
+            </a:xfrm>
+            <a:prstGeom prst="rect">
+              <a:avLst/>
+            </a:prstGeom>
+          </p:spPr>
+          <p:style>
+            <a:lnRef idx="2">
+              <a:schemeClr val="accent2">
+                <a:shade val="50000"/>
+              </a:schemeClr>
+            </a:lnRef>
+            <a:fillRef idx="1">
+              <a:schemeClr val="accent2"/>
+            </a:fillRef>
+            <a:effectRef idx="0">
+              <a:schemeClr val="accent2"/>
+            </a:effectRef>
+            <a:fontRef idx="minor">
+              <a:schemeClr val="lt1"/>
+            </a:fontRef>
+          </p:style>
+          <p:txBody>
+            <a:bodyPr rtlCol="0" anchor="ctr"/>
+            <a:lstStyle/>
+            <a:p>
+              <a:pPr algn="ctr"/>
+              <a:r>
+                <a:rPr lang="en-US" smtClean="0"/>
+                <a:t>Dripline interface</a:t>
+              </a:r>
+              <a:endParaRPr lang="en-US" dirty="0" smtClean="0"/>
+            </a:p>
+          </p:txBody>
+        </p:sp>
+        <p:sp>
+          <p:nvSpPr>
+            <p:cNvPr id="31" name="Rectangle 30"/>
+            <p:cNvSpPr/>
+            <p:nvPr/>
+          </p:nvSpPr>
+          <p:spPr>
+            <a:xfrm>
+              <a:off x="7666759" y="1037432"/>
+              <a:ext cx="1816100" cy="411957"/>
+            </a:xfrm>
+            <a:prstGeom prst="rect">
+              <a:avLst/>
+            </a:prstGeom>
+          </p:spPr>
+          <p:style>
+            <a:lnRef idx="2">
+              <a:schemeClr val="accent6">
+                <a:shade val="50000"/>
+              </a:schemeClr>
+            </a:lnRef>
+            <a:fillRef idx="1">
+              <a:schemeClr val="accent6"/>
+            </a:fillRef>
+            <a:effectRef idx="0">
+              <a:schemeClr val="accent6"/>
+            </a:effectRef>
+            <a:fontRef idx="minor">
+              <a:schemeClr val="lt1"/>
+            </a:fontRef>
+          </p:style>
+          <p:txBody>
+            <a:bodyPr rtlCol="0" anchor="ctr"/>
+            <a:lstStyle/>
+            <a:p>
+              <a:pPr algn="ctr"/>
+              <a:r>
+                <a:rPr lang="en-US" smtClean="0"/>
+                <a:t>Internal</a:t>
+              </a:r>
+              <a:endParaRPr lang="en-US" dirty="0" smtClean="0"/>
+            </a:p>
+          </p:txBody>
+        </p:sp>
+      </p:grpSp>
+      <p:sp>
+        <p:nvSpPr>
+          <p:cNvPr id="28" name="Rectangle 27"/>
+          <p:cNvSpPr/>
+          <p:nvPr/>
+        </p:nvSpPr>
+        <p:spPr>
+          <a:xfrm>
+            <a:off x="6832600" y="356058"/>
+            <a:ext cx="1879600" cy="416598"/>
+          </a:xfrm>
+          <a:prstGeom prst="rect">
+            <a:avLst/>
+          </a:prstGeom>
+        </p:spPr>
+        <p:style>
+          <a:lnRef idx="2">
+            <a:schemeClr val="accent1"/>
+          </a:lnRef>
+          <a:fillRef idx="1">
+            <a:schemeClr val="lt1"/>
+          </a:fillRef>
+          <a:effectRef idx="0">
+            <a:schemeClr val="accent1"/>
+          </a:effectRef>
+          <a:fontRef idx="minor">
+            <a:schemeClr val="dk1"/>
+          </a:fontRef>
+        </p:style>
+        <p:txBody>
+          <a:bodyPr rtlCol="0" anchor="ctr"/>
+          <a:lstStyle/>
+          <a:p>
+            <a:pPr algn="ctr"/>
+            <a:r>
+              <a:rPr lang="en-US" smtClean="0"/>
+              <a:t>One-time method</a:t>
+            </a:r>
+            <a:endParaRPr lang="en-US" dirty="0"/>
+          </a:p>
+        </p:txBody>
+      </p:sp>
+      <p:sp>
+        <p:nvSpPr>
+          <p:cNvPr id="29" name="Rectangle 28"/>
+          <p:cNvSpPr/>
+          <p:nvPr/>
+        </p:nvSpPr>
+        <p:spPr>
+          <a:xfrm>
+            <a:off x="6832600" y="867691"/>
+            <a:ext cx="1879600" cy="416598"/>
+          </a:xfrm>
+          <a:prstGeom prst="rect">
+            <a:avLst/>
+          </a:prstGeom>
+        </p:spPr>
+        <p:style>
+          <a:lnRef idx="2">
+            <a:schemeClr val="accent1">
+              <a:shade val="50000"/>
+            </a:schemeClr>
+          </a:lnRef>
+          <a:fillRef idx="1">
+            <a:schemeClr val="accent1"/>
+          </a:fillRef>
+          <a:effectRef idx="0">
+            <a:schemeClr val="accent1"/>
+          </a:effectRef>
+          <a:fontRef idx="minor">
+            <a:schemeClr val="lt1"/>
+          </a:fontRef>
+        </p:style>
+        <p:txBody>
+          <a:bodyPr rtlCol="0" anchor="ctr"/>
+          <a:lstStyle/>
+          <a:p>
+            <a:pPr algn="ctr"/>
+            <a:r>
+              <a:rPr lang="en-US" smtClean="0"/>
+              <a:t>While loop</a:t>
+            </a:r>
+            <a:endParaRPr lang="en-US" dirty="0"/>
+          </a:p>
+        </p:txBody>
+      </p:sp>
+    </p:spTree>
+    <p:extLst>
+      <p:ext uri="{BB962C8B-B14F-4D97-AF65-F5344CB8AC3E}">
+        <p14:creationId xmlns:p14="http://schemas.microsoft.com/office/powerpoint/2010/main" val="237486406"/>
+      </p:ext>
+    </p:extLst>
+  </p:cSld>
+  <p:clrMapOvr>
+    <a:masterClrMapping/>
+  </p:clrMapOvr>
+</p:sld>
+</file>
+
+<file path=ppt/slides/slide6.xml><?xml version="1.0" encoding="utf-8"?>
+<p:sld xmlns:a="http://schemas.openxmlformats.org/drawingml/2006/main" xmlns:r="http://schemas.openxmlformats.org/officeDocument/2006/relationships" xmlns:p="http://schemas.openxmlformats.org/presentationml/2006/main">
+  <p:cSld>
+    <p:spTree>
+      <p:nvGrpSpPr>
+        <p:cNvPr id="1" name=""/>
+        <p:cNvGrpSpPr/>
+        <p:nvPr/>
+      </p:nvGrpSpPr>
+      <p:grpSpPr>
+        <a:xfrm>
+          <a:off x="0" y="0"/>
+          <a:ext cx="0" cy="0"/>
+          <a:chOff x="0" y="0"/>
+          <a:chExt cx="0" cy="0"/>
+        </a:xfrm>
+      </p:grpSpPr>
+      <p:sp>
+        <p:nvSpPr>
+          <p:cNvPr id="2" name="Title 1"/>
+          <p:cNvSpPr>
+            <a:spLocks noGrp="1"/>
+          </p:cNvSpPr>
+          <p:nvPr>
+            <p:ph type="title"/>
+          </p:nvPr>
+        </p:nvSpPr>
+        <p:spPr/>
+        <p:txBody>
+          <a:bodyPr/>
+          <a:lstStyle/>
+          <a:p>
+            <a:r>
+              <a:rPr lang="en-US" dirty="0" err="1" smtClean="0"/>
+              <a:t>Init</a:t>
+            </a:r>
+            <a:endParaRPr lang="en-US" dirty="0"/>
+          </a:p>
+        </p:txBody>
+      </p:sp>
+      <mc:AlternateContent xmlns:mc="http://schemas.openxmlformats.org/markup-compatibility/2006">
+        <mc:Choice xmlns:a14="http://schemas.microsoft.com/office/drawing/2010/main" Requires="a14">
+          <p:sp>
+            <p:nvSpPr>
+              <p:cNvPr id="3" name="Content Placeholder 2"/>
+              <p:cNvSpPr>
+                <a:spLocks noGrp="1"/>
+              </p:cNvSpPr>
+              <p:nvPr>
+                <p:ph idx="1"/>
+              </p:nvPr>
+            </p:nvSpPr>
+            <p:spPr>
+              <a:xfrm>
+                <a:off x="838200" y="1825625"/>
+                <a:ext cx="10896600" cy="4351338"/>
+              </a:xfrm>
+            </p:spPr>
+            <p:txBody>
+              <a:bodyPr/>
+              <a:lstStyle/>
+              <a:p>
+                <a:r>
+                  <a:rPr lang="en-US" dirty="0" smtClean="0"/>
+                  <a:t>Read information from various files and fill some global variables</a:t>
+                </a:r>
+              </a:p>
+              <a:p>
+                <a:pPr lvl="1"/>
+                <a:r>
+                  <a:rPr lang="en-US" dirty="0" err="1"/>
+                  <a:t>C</a:t>
+                </a:r>
+                <a:r>
+                  <a:rPr lang="en-US" dirty="0" err="1" smtClean="0"/>
+                  <a:t>onfig</a:t>
+                </a:r>
+                <a:r>
+                  <a:rPr lang="en-US" dirty="0" smtClean="0"/>
+                  <a:t> file for mosquito </a:t>
+                </a:r>
+                <a14:m>
+                  <m:oMath xmlns:m="http://schemas.openxmlformats.org/officeDocument/2006/math">
+                    <m:r>
+                      <a:rPr lang="en-US" b="0" i="1" smtClean="0">
+                        <a:latin typeface="Cambria Math" charset="0"/>
+                      </a:rPr>
+                      <m:t>→</m:t>
+                    </m:r>
+                  </m:oMath>
+                </a14:m>
+                <a:r>
+                  <a:rPr lang="en-US" dirty="0" smtClean="0"/>
+                  <a:t> Config_infos</a:t>
+                </a:r>
+              </a:p>
+              <a:p>
+                <a:pPr lvl="1"/>
+                <a:r>
+                  <a:rPr lang="en-US" dirty="0" smtClean="0"/>
+                  <a:t>.project8_authentications.json (%HOME) </a:t>
+                </a:r>
+                <a14:m>
+                  <m:oMath xmlns:m="http://schemas.openxmlformats.org/officeDocument/2006/math">
+                    <m:r>
+                      <a:rPr lang="en-US" i="1">
+                        <a:latin typeface="Cambria Math" charset="0"/>
+                      </a:rPr>
+                      <m:t>→</m:t>
+                    </m:r>
+                  </m:oMath>
+                </a14:m>
+                <a:r>
+                  <a:rPr lang="en-US" dirty="0" smtClean="0"/>
+                  <a:t> </a:t>
+                </a:r>
+                <a:r>
+                  <a:rPr lang="en-US" dirty="0" err="1" smtClean="0"/>
+                  <a:t>AMQP_credentials</a:t>
+                </a:r>
+                <a:r>
+                  <a:rPr lang="en-US" dirty="0" smtClean="0"/>
+                  <a:t> (dripline-</a:t>
+                </a:r>
+                <a:r>
+                  <a:rPr lang="en-US" dirty="0" err="1" smtClean="0"/>
+                  <a:t>labview</a:t>
+                </a:r>
+                <a:r>
+                  <a:rPr lang="en-US" dirty="0" smtClean="0"/>
+                  <a:t>)</a:t>
+                </a:r>
+              </a:p>
+              <a:p>
+                <a:pPr lvl="1"/>
+                <a:r>
+                  <a:rPr lang="en-US" dirty="0" err="1" smtClean="0"/>
+                  <a:t>Dripline_info</a:t>
+                </a:r>
+                <a:r>
+                  <a:rPr lang="en-US" dirty="0" smtClean="0"/>
+                  <a:t> (dripline-</a:t>
+                </a:r>
+                <a:r>
+                  <a:rPr lang="en-US" dirty="0" err="1" smtClean="0"/>
+                  <a:t>labview</a:t>
+                </a:r>
+                <a:r>
+                  <a:rPr lang="en-US" dirty="0" smtClean="0"/>
+                  <a:t>) </a:t>
+                </a:r>
+                <a14:m>
+                  <m:oMath xmlns:m="http://schemas.openxmlformats.org/officeDocument/2006/math">
+                    <m:r>
+                      <a:rPr lang="en-US" i="1">
+                        <a:latin typeface="Cambria Math" charset="0"/>
+                      </a:rPr>
+                      <m:t>→</m:t>
+                    </m:r>
+                  </m:oMath>
+                </a14:m>
+                <a:r>
+                  <a:rPr lang="en-US" dirty="0" smtClean="0"/>
+                  <a:t> </a:t>
+                </a:r>
+                <a:r>
+                  <a:rPr lang="en-US" dirty="0" err="1" smtClean="0"/>
+                  <a:t>Sender_info</a:t>
+                </a:r>
+                <a:r>
+                  <a:rPr lang="en-US" dirty="0" smtClean="0"/>
+                  <a:t> </a:t>
+                </a:r>
+                <a:r>
+                  <a:rPr lang="en-US" dirty="0"/>
+                  <a:t>(dripline-</a:t>
+                </a:r>
+                <a:r>
+                  <a:rPr lang="en-US" dirty="0" err="1"/>
+                  <a:t>labview</a:t>
+                </a:r>
+                <a:r>
+                  <a:rPr lang="en-US" dirty="0" smtClean="0"/>
+                  <a:t>)</a:t>
+                </a:r>
+              </a:p>
+              <a:p>
+                <a:endParaRPr lang="en-US" dirty="0"/>
+              </a:p>
+            </p:txBody>
+          </p:sp>
+        </mc:Choice>
+        <mc:Fallback>
+          <p:sp>
+            <p:nvSpPr>
+              <p:cNvPr id="3" name="Content Placeholder 2"/>
+              <p:cNvSpPr>
+                <a:spLocks noGrp="1" noRot="1" noChangeAspect="1" noMove="1" noResize="1" noEditPoints="1" noAdjustHandles="1" noChangeArrowheads="1" noChangeShapeType="1" noTextEdit="1"/>
+              </p:cNvSpPr>
+              <p:nvPr>
+                <p:ph idx="1"/>
+              </p:nvPr>
+            </p:nvSpPr>
+            <p:spPr>
+              <a:xfrm>
+                <a:off x="838200" y="1825625"/>
+                <a:ext cx="10896600" cy="4351338"/>
+              </a:xfrm>
+              <a:blipFill rotWithShape="0">
+                <a:blip r:embed="rId2"/>
+                <a:stretch>
+                  <a:fillRect l="-1007" t="-2241" r="-672"/>
+                </a:stretch>
+              </a:blipFill>
+            </p:spPr>
+            <p:txBody>
+              <a:bodyPr/>
+              <a:lstStyle/>
+              <a:p>
+                <a:r>
+                  <a:rPr lang="en-US">
+                    <a:noFill/>
+                  </a:rPr>
+                  <a:t> </a:t>
+                </a:r>
+              </a:p>
+            </p:txBody>
+          </p:sp>
+        </mc:Fallback>
+      </mc:AlternateContent>
+    </p:spTree>
+    <p:extLst>
+      <p:ext uri="{BB962C8B-B14F-4D97-AF65-F5344CB8AC3E}">
+        <p14:creationId xmlns:p14="http://schemas.microsoft.com/office/powerpoint/2010/main" val="353436624"/>
+      </p:ext>
+    </p:extLst>
+  </p:cSld>
+  <p:clrMapOvr>
+    <a:masterClrMapping/>
+  </p:clrMapOvr>
+</p:sld>
+</file>
+
+<file path=ppt/slides/slide7.xml><?xml version="1.0" encoding="utf-8"?>
+<p:sld xmlns:a="http://schemas.openxmlformats.org/drawingml/2006/main" xmlns:r="http://schemas.openxmlformats.org/officeDocument/2006/relationships" xmlns:p="http://schemas.openxmlformats.org/presentationml/2006/main">
+  <p:cSld>
+    <p:spTree>
+      <p:nvGrpSpPr>
+        <p:cNvPr id="1" name=""/>
+        <p:cNvGrpSpPr/>
+        <p:nvPr/>
+      </p:nvGrpSpPr>
+      <p:grpSpPr>
+        <a:xfrm>
+          <a:off x="0" y="0"/>
+          <a:ext cx="0" cy="0"/>
+          <a:chOff x="0" y="0"/>
+          <a:chExt cx="0" cy="0"/>
+        </a:xfrm>
+      </p:grpSpPr>
+      <p:sp>
+        <p:nvSpPr>
+          <p:cNvPr id="2" name="Title 1"/>
+          <p:cNvSpPr>
+            <a:spLocks noGrp="1"/>
+          </p:cNvSpPr>
+          <p:nvPr>
+            <p:ph type="title"/>
+          </p:nvPr>
+        </p:nvSpPr>
+        <p:spPr/>
+        <p:txBody>
+          <a:bodyPr/>
+          <a:lstStyle/>
+          <a:p>
+            <a:r>
+              <a:rPr lang="en-US" dirty="0" smtClean="0"/>
+              <a:t>Broadcast</a:t>
+            </a:r>
+            <a:endParaRPr lang="en-US" dirty="0"/>
+          </a:p>
+        </p:txBody>
+      </p:sp>
+      <p:sp>
+        <p:nvSpPr>
+          <p:cNvPr id="3" name="Content Placeholder 2"/>
+          <p:cNvSpPr>
+            <a:spLocks noGrp="1"/>
+          </p:cNvSpPr>
+          <p:nvPr>
+            <p:ph idx="1"/>
+          </p:nvPr>
+        </p:nvSpPr>
+        <p:spPr>
+          <a:xfrm>
+            <a:off x="6502400" y="1825625"/>
+            <a:ext cx="4851400" cy="4351338"/>
+          </a:xfrm>
+        </p:spPr>
+        <p:txBody>
+          <a:bodyPr/>
+          <a:lstStyle/>
+          <a:p>
+            <a:r>
+              <a:rPr lang="en-US" dirty="0" smtClean="0"/>
+              <a:t>Stand-alone application </a:t>
+            </a:r>
+          </a:p>
+          <a:p>
+            <a:pPr lvl="1"/>
+            <a:r>
+              <a:rPr lang="en-US" dirty="0"/>
+              <a:t>dripline-</a:t>
+            </a:r>
+            <a:r>
+              <a:rPr lang="en-US" dirty="0" err="1"/>
+              <a:t>labview</a:t>
+            </a:r>
+            <a:r>
+              <a:rPr lang="en-US" dirty="0"/>
+              <a:t>/vi/API/Listen and reply </a:t>
+            </a:r>
+            <a:r>
+              <a:rPr lang="en-US" dirty="0" err="1"/>
+              <a:t>broadcast.ping.vi</a:t>
+            </a:r>
+            <a:endParaRPr lang="en-US" dirty="0" smtClean="0"/>
+          </a:p>
+          <a:p>
+            <a:r>
+              <a:rPr lang="en-US" dirty="0" smtClean="0"/>
+              <a:t>Listen to </a:t>
+            </a:r>
+            <a:r>
+              <a:rPr lang="en-US" dirty="0" err="1" smtClean="0"/>
+              <a:t>broadcast.ping</a:t>
+            </a:r>
+            <a:r>
+              <a:rPr lang="en-US" dirty="0" smtClean="0"/>
+              <a:t> and </a:t>
+            </a:r>
+            <a:r>
+              <a:rPr lang="en-US" i="1" dirty="0" err="1" smtClean="0"/>
+              <a:t>service_name</a:t>
+            </a:r>
+            <a:r>
+              <a:rPr lang="en-US" dirty="0" err="1" smtClean="0"/>
+              <a:t>.ping</a:t>
+            </a:r>
+            <a:r>
+              <a:rPr lang="en-US" dirty="0" smtClean="0"/>
+              <a:t> </a:t>
+            </a:r>
+          </a:p>
+          <a:p>
+            <a:r>
+              <a:rPr lang="en-US" dirty="0" smtClean="0"/>
+              <a:t>Possess its own logger</a:t>
+            </a:r>
+          </a:p>
+          <a:p>
+            <a:r>
+              <a:rPr lang="en-US" dirty="0" smtClean="0"/>
+              <a:t>Open and run into a sub-panel of </a:t>
+            </a:r>
+            <a:r>
+              <a:rPr lang="en-US" dirty="0" err="1" smtClean="0"/>
+              <a:t>main.vi</a:t>
+            </a:r>
+            <a:endParaRPr lang="en-US" dirty="0"/>
+          </a:p>
+        </p:txBody>
+      </p:sp>
+      <p:pic>
+        <p:nvPicPr>
+          <p:cNvPr id="5" name="Picture 4"/>
+          <p:cNvPicPr>
+            <a:picLocks noChangeAspect="1"/>
+          </p:cNvPicPr>
+          <p:nvPr/>
+        </p:nvPicPr>
+        <p:blipFill>
+          <a:blip r:embed="rId2"/>
+          <a:stretch>
+            <a:fillRect/>
+          </a:stretch>
+        </p:blipFill>
+        <p:spPr>
+          <a:xfrm>
+            <a:off x="538748" y="1655763"/>
+            <a:ext cx="5853764" cy="4521200"/>
+          </a:xfrm>
+          <a:prstGeom prst="rect">
+            <a:avLst/>
+          </a:prstGeom>
+        </p:spPr>
+      </p:pic>
+    </p:spTree>
+    <p:extLst>
+      <p:ext uri="{BB962C8B-B14F-4D97-AF65-F5344CB8AC3E}">
+        <p14:creationId xmlns:p14="http://schemas.microsoft.com/office/powerpoint/2010/main" val="421229130"/>
+      </p:ext>
+    </p:extLst>
+  </p:cSld>
+  <p:clrMapOvr>
+    <a:masterClrMapping/>
+  </p:clrMapOvr>
+</p:sld>
+</file>
+
+<file path=ppt/slides/slide8.xml><?xml version="1.0" encoding="utf-8"?>
+<p:sld xmlns:a="http://schemas.openxmlformats.org/drawingml/2006/main" xmlns:r="http://schemas.openxmlformats.org/officeDocument/2006/relationships" xmlns:p="http://schemas.openxmlformats.org/presentationml/2006/main">
+  <p:cSld>
+    <p:spTree>
+      <p:nvGrpSpPr>
+        <p:cNvPr id="1" name=""/>
+        <p:cNvGrpSpPr/>
+        <p:nvPr/>
+      </p:nvGrpSpPr>
+      <p:grpSpPr>
+        <a:xfrm>
+          <a:off x="0" y="0"/>
+          <a:ext cx="0" cy="0"/>
+          <a:chOff x="0" y="0"/>
+          <a:chExt cx="0" cy="0"/>
+        </a:xfrm>
+      </p:grpSpPr>
+      <p:sp>
+        <p:nvSpPr>
+          <p:cNvPr id="2" name="Title 1"/>
+          <p:cNvSpPr>
+            <a:spLocks noGrp="1"/>
+          </p:cNvSpPr>
+          <p:nvPr>
+            <p:ph type="title"/>
+          </p:nvPr>
+        </p:nvSpPr>
+        <p:spPr/>
+        <p:txBody>
+          <a:bodyPr/>
+          <a:lstStyle/>
+          <a:p>
+            <a:r>
+              <a:rPr lang="en-US" dirty="0" smtClean="0"/>
+              <a:t>Listeners</a:t>
+            </a:r>
+            <a:endParaRPr lang="en-US" dirty="0"/>
+          </a:p>
+        </p:txBody>
+      </p:sp>
+      <p:sp>
+        <p:nvSpPr>
+          <p:cNvPr id="3" name="Content Placeholder 2"/>
+          <p:cNvSpPr>
+            <a:spLocks noGrp="1"/>
+          </p:cNvSpPr>
+          <p:nvPr>
+            <p:ph idx="1"/>
+          </p:nvPr>
+        </p:nvSpPr>
+        <p:spPr/>
+        <p:txBody>
+          <a:bodyPr/>
+          <a:lstStyle/>
+          <a:p>
+            <a:r>
+              <a:rPr lang="en-US" dirty="0" smtClean="0"/>
+              <a:t>Listen to </a:t>
+            </a:r>
+            <a:r>
+              <a:rPr lang="en-US" dirty="0" err="1" smtClean="0"/>
+              <a:t>rga_interface_xxx</a:t>
+            </a:r>
+            <a:endParaRPr lang="en-US" dirty="0" smtClean="0"/>
+          </a:p>
+          <a:p>
+            <a:pPr lvl="1"/>
+            <a:r>
+              <a:rPr lang="en-US" dirty="0" smtClean="0"/>
+              <a:t>Upon receiving a request, check the status of the instrument (</a:t>
+            </a:r>
+            <a:r>
+              <a:rPr lang="en-US" dirty="0" err="1" smtClean="0"/>
+              <a:t>is_running</a:t>
+            </a:r>
+            <a:r>
+              <a:rPr lang="en-US" smtClean="0"/>
+              <a:t>)</a:t>
+            </a:r>
+            <a:endParaRPr lang="en-US" dirty="0" smtClean="0"/>
+          </a:p>
+          <a:p>
+            <a:r>
+              <a:rPr lang="en-US" dirty="0" smtClean="0"/>
+              <a:t>Reply immediately to any request</a:t>
+            </a:r>
+            <a:endParaRPr lang="en-US" dirty="0"/>
+          </a:p>
+        </p:txBody>
+      </p:sp>
+    </p:spTree>
+    <p:extLst>
+      <p:ext uri="{BB962C8B-B14F-4D97-AF65-F5344CB8AC3E}">
+        <p14:creationId xmlns:p14="http://schemas.microsoft.com/office/powerpoint/2010/main" val="1634748571"/>
+      </p:ext>
+    </p:extLst>
+  </p:cSld>
+  <p:clrMapOvr>
+    <a:masterClrMapping/>
+  </p:clrMapOvr>
+</p:sld>
+</file>
+
 <file path=ppt/theme/theme1.xml><?xml version="1.0" encoding="utf-8"?>
 <a:theme xmlns:a="http://schemas.openxmlformats.org/drawingml/2006/main" name="Office Theme">
   <a:themeElements>
